--- a/arturo_project/Presentación EstadisticasV2.pptx
+++ b/arturo_project/Presentación EstadisticasV2.pptx
@@ -243,7 +243,7 @@
           <a:p>
             <a:fld id="{EAA83C27-216B-4822-A61F-B4BFAC9CE3A9}" type="datetimeFigureOut">
               <a:rPr lang="es-ES" smtClean="0"/>
-              <a:t>16/05/2023</a:t>
+              <a:t>17/05/2023</a:t>
             </a:fld>
             <a:endParaRPr lang="es-ES" dirty="0"/>
           </a:p>
@@ -413,7 +413,7 @@
           <a:p>
             <a:fld id="{EAA83C27-216B-4822-A61F-B4BFAC9CE3A9}" type="datetimeFigureOut">
               <a:rPr lang="es-ES" smtClean="0"/>
-              <a:t>16/05/2023</a:t>
+              <a:t>17/05/2023</a:t>
             </a:fld>
             <a:endParaRPr lang="es-ES" dirty="0"/>
           </a:p>
@@ -593,7 +593,7 @@
           <a:p>
             <a:fld id="{EAA83C27-216B-4822-A61F-B4BFAC9CE3A9}" type="datetimeFigureOut">
               <a:rPr lang="es-ES" smtClean="0"/>
-              <a:t>16/05/2023</a:t>
+              <a:t>17/05/2023</a:t>
             </a:fld>
             <a:endParaRPr lang="es-ES" dirty="0"/>
           </a:p>
@@ -763,7 +763,7 @@
           <a:p>
             <a:fld id="{EAA83C27-216B-4822-A61F-B4BFAC9CE3A9}" type="datetimeFigureOut">
               <a:rPr lang="es-ES" smtClean="0"/>
-              <a:t>16/05/2023</a:t>
+              <a:t>17/05/2023</a:t>
             </a:fld>
             <a:endParaRPr lang="es-ES" dirty="0"/>
           </a:p>
@@ -1007,7 +1007,7 @@
           <a:p>
             <a:fld id="{EAA83C27-216B-4822-A61F-B4BFAC9CE3A9}" type="datetimeFigureOut">
               <a:rPr lang="es-ES" smtClean="0"/>
-              <a:t>16/05/2023</a:t>
+              <a:t>17/05/2023</a:t>
             </a:fld>
             <a:endParaRPr lang="es-ES" dirty="0"/>
           </a:p>
@@ -1239,7 +1239,7 @@
           <a:p>
             <a:fld id="{EAA83C27-216B-4822-A61F-B4BFAC9CE3A9}" type="datetimeFigureOut">
               <a:rPr lang="es-ES" smtClean="0"/>
-              <a:t>16/05/2023</a:t>
+              <a:t>17/05/2023</a:t>
             </a:fld>
             <a:endParaRPr lang="es-ES" dirty="0"/>
           </a:p>
@@ -1606,7 +1606,7 @@
           <a:p>
             <a:fld id="{EAA83C27-216B-4822-A61F-B4BFAC9CE3A9}" type="datetimeFigureOut">
               <a:rPr lang="es-ES" smtClean="0"/>
-              <a:t>16/05/2023</a:t>
+              <a:t>17/05/2023</a:t>
             </a:fld>
             <a:endParaRPr lang="es-ES" dirty="0"/>
           </a:p>
@@ -1724,7 +1724,7 @@
           <a:p>
             <a:fld id="{EAA83C27-216B-4822-A61F-B4BFAC9CE3A9}" type="datetimeFigureOut">
               <a:rPr lang="es-ES" smtClean="0"/>
-              <a:t>16/05/2023</a:t>
+              <a:t>17/05/2023</a:t>
             </a:fld>
             <a:endParaRPr lang="es-ES" dirty="0"/>
           </a:p>
@@ -1819,7 +1819,7 @@
           <a:p>
             <a:fld id="{EAA83C27-216B-4822-A61F-B4BFAC9CE3A9}" type="datetimeFigureOut">
               <a:rPr lang="es-ES" smtClean="0"/>
-              <a:t>16/05/2023</a:t>
+              <a:t>17/05/2023</a:t>
             </a:fld>
             <a:endParaRPr lang="es-ES" dirty="0"/>
           </a:p>
@@ -2096,7 +2096,7 @@
           <a:p>
             <a:fld id="{EAA83C27-216B-4822-A61F-B4BFAC9CE3A9}" type="datetimeFigureOut">
               <a:rPr lang="es-ES" smtClean="0"/>
-              <a:t>16/05/2023</a:t>
+              <a:t>17/05/2023</a:t>
             </a:fld>
             <a:endParaRPr lang="es-ES" dirty="0"/>
           </a:p>
@@ -2353,7 +2353,7 @@
           <a:p>
             <a:fld id="{EAA83C27-216B-4822-A61F-B4BFAC9CE3A9}" type="datetimeFigureOut">
               <a:rPr lang="es-ES" smtClean="0"/>
-              <a:t>16/05/2023</a:t>
+              <a:t>17/05/2023</a:t>
             </a:fld>
             <a:endParaRPr lang="es-ES" dirty="0"/>
           </a:p>
@@ -2566,7 +2566,7 @@
           <a:p>
             <a:fld id="{EAA83C27-216B-4822-A61F-B4BFAC9CE3A9}" type="datetimeFigureOut">
               <a:rPr lang="es-ES" smtClean="0"/>
-              <a:t>16/05/2023</a:t>
+              <a:t>17/05/2023</a:t>
             </a:fld>
             <a:endParaRPr lang="es-ES" dirty="0"/>
           </a:p>
@@ -3565,7 +3565,7 @@
                   <a:schemeClr val="lt1"/>
                 </a:solidFill>
               </a:rPr>
-              <a:t>Establecer el año con mayor cantidad de transferencias interbancarias mediante un análisis estadístico anual.</a:t>
+              <a:t>Establecer el año con mayor monto de transferencias por monedas interbancarias mediante un análisis estadístico anual.</a:t>
             </a:r>
           </a:p>
           <a:p>
@@ -4817,11 +4817,11 @@
   <p:clrMapOvr>
     <a:masterClrMapping/>
   </p:clrMapOvr>
-  <mc:AlternateContent xmlns:mc="http://schemas.openxmlformats.org/markup-compatibility/2006">
-    <mc:Choice xmlns:p14="http://schemas.microsoft.com/office/powerpoint/2010/main" Requires="p14">
+  <mc:AlternateContent xmlns:mc="http://schemas.openxmlformats.org/markup-compatibility/2006" xmlns:p14="http://schemas.microsoft.com/office/powerpoint/2010/main">
+    <mc:Choice Requires="p14">
       <p:transition spd="slow" p14:dur="2000" advTm="2920"/>
     </mc:Choice>
-    <mc:Fallback>
+    <mc:Fallback xmlns="">
       <p:transition spd="slow" advTm="2920"/>
     </mc:Fallback>
   </mc:AlternateContent>
